--- a/Docs/Project Status Report.pptx
+++ b/Docs/Project Status Report.pptx
@@ -350,7 +350,7 @@
           <a:p>
             <a:fld id="{22EB3548-5296-4369-8AD8-76E61D9A3419}" type="datetimeFigureOut">
               <a:rPr lang="en-IN" smtClean="0"/>
-              <a:t>29-10-2024</a:t>
+              <a:t>05-11-2024</a:t>
             </a:fld>
             <a:endParaRPr lang="en-IN"/>
           </a:p>
@@ -558,7 +558,7 @@
           <a:p>
             <a:fld id="{22EB3548-5296-4369-8AD8-76E61D9A3419}" type="datetimeFigureOut">
               <a:rPr lang="en-IN" smtClean="0"/>
-              <a:t>29-10-2024</a:t>
+              <a:t>05-11-2024</a:t>
             </a:fld>
             <a:endParaRPr lang="en-IN"/>
           </a:p>
@@ -814,7 +814,7 @@
           <a:p>
             <a:fld id="{22EB3548-5296-4369-8AD8-76E61D9A3419}" type="datetimeFigureOut">
               <a:rPr lang="en-IN" smtClean="0"/>
-              <a:t>29-10-2024</a:t>
+              <a:t>05-11-2024</a:t>
             </a:fld>
             <a:endParaRPr lang="en-IN"/>
           </a:p>
@@ -988,7 +988,7 @@
           <a:p>
             <a:fld id="{22EB3548-5296-4369-8AD8-76E61D9A3419}" type="datetimeFigureOut">
               <a:rPr lang="en-IN" smtClean="0"/>
-              <a:t>29-10-2024</a:t>
+              <a:t>05-11-2024</a:t>
             </a:fld>
             <a:endParaRPr lang="en-IN"/>
           </a:p>
@@ -1331,7 +1331,7 @@
           <a:p>
             <a:fld id="{22EB3548-5296-4369-8AD8-76E61D9A3419}" type="datetimeFigureOut">
               <a:rPr lang="en-IN" smtClean="0"/>
-              <a:t>29-10-2024</a:t>
+              <a:t>05-11-2024</a:t>
             </a:fld>
             <a:endParaRPr lang="en-IN"/>
           </a:p>
@@ -1606,7 +1606,7 @@
           <a:p>
             <a:fld id="{22EB3548-5296-4369-8AD8-76E61D9A3419}" type="datetimeFigureOut">
               <a:rPr lang="en-IN" smtClean="0"/>
-              <a:t>29-10-2024</a:t>
+              <a:t>05-11-2024</a:t>
             </a:fld>
             <a:endParaRPr lang="en-IN"/>
           </a:p>
@@ -1985,7 +1985,7 @@
           <a:p>
             <a:fld id="{22EB3548-5296-4369-8AD8-76E61D9A3419}" type="datetimeFigureOut">
               <a:rPr lang="en-IN" smtClean="0"/>
-              <a:t>29-10-2024</a:t>
+              <a:t>05-11-2024</a:t>
             </a:fld>
             <a:endParaRPr lang="en-IN"/>
           </a:p>
@@ -2103,7 +2103,7 @@
           <a:p>
             <a:fld id="{22EB3548-5296-4369-8AD8-76E61D9A3419}" type="datetimeFigureOut">
               <a:rPr lang="en-IN" smtClean="0"/>
-              <a:t>29-10-2024</a:t>
+              <a:t>05-11-2024</a:t>
             </a:fld>
             <a:endParaRPr lang="en-IN"/>
           </a:p>
@@ -2274,7 +2274,7 @@
           <a:p>
             <a:fld id="{22EB3548-5296-4369-8AD8-76E61D9A3419}" type="datetimeFigureOut">
               <a:rPr lang="en-IN" smtClean="0"/>
-              <a:t>29-10-2024</a:t>
+              <a:t>05-11-2024</a:t>
             </a:fld>
             <a:endParaRPr lang="en-IN"/>
           </a:p>
@@ -2628,7 +2628,7 @@
           <a:p>
             <a:fld id="{22EB3548-5296-4369-8AD8-76E61D9A3419}" type="datetimeFigureOut">
               <a:rPr lang="en-IN" smtClean="0"/>
-              <a:t>29-10-2024</a:t>
+              <a:t>05-11-2024</a:t>
             </a:fld>
             <a:endParaRPr lang="en-IN"/>
           </a:p>
@@ -3010,7 +3010,7 @@
           <a:p>
             <a:fld id="{22EB3548-5296-4369-8AD8-76E61D9A3419}" type="datetimeFigureOut">
               <a:rPr lang="en-IN" smtClean="0"/>
-              <a:t>29-10-2024</a:t>
+              <a:t>05-11-2024</a:t>
             </a:fld>
             <a:endParaRPr lang="en-IN"/>
           </a:p>
@@ -3297,7 +3297,7 @@
           <a:p>
             <a:fld id="{22EB3548-5296-4369-8AD8-76E61D9A3419}" type="datetimeFigureOut">
               <a:rPr lang="en-IN" smtClean="0"/>
-              <a:t>29-10-2024</a:t>
+              <a:t>05-11-2024</a:t>
             </a:fld>
             <a:endParaRPr lang="en-IN"/>
           </a:p>
@@ -4277,8 +4277,8 @@
         </p:nvSpPr>
         <p:spPr bwMode="auto">
           <a:xfrm>
-            <a:off x="1097280" y="2007068"/>
-            <a:ext cx="9069762" cy="3231654"/>
+            <a:off x="1097280" y="1883958"/>
+            <a:ext cx="9069762" cy="3477875"/>
           </a:xfrm>
           <a:prstGeom prst="rect">
             <a:avLst/>
@@ -4386,7 +4386,14 @@
                 <a:latin typeface="Times New Roman" panose="02020603050405020304" pitchFamily="18" charset="0"/>
                 <a:cs typeface="Times New Roman" panose="02020603050405020304" pitchFamily="18" charset="0"/>
               </a:rPr>
-              <a:t>10hrs a week per person.</a:t>
+              <a:t>10hrs a week per person</a:t>
+            </a:r>
+            <a:r>
+              <a:rPr lang="en-US" altLang="en-US" sz="1600" dirty="0" smtClean="0">
+                <a:latin typeface="Times New Roman" panose="02020603050405020304" pitchFamily="18" charset="0"/>
+                <a:cs typeface="Times New Roman" panose="02020603050405020304" pitchFamily="18" charset="0"/>
+              </a:rPr>
+              <a:t>.</a:t>
             </a:r>
           </a:p>
           <a:p>
@@ -4408,48 +4415,15 @@
                 <a:latin typeface="Times New Roman" panose="02020603050405020304" pitchFamily="18" charset="0"/>
                 <a:cs typeface="Times New Roman" panose="02020603050405020304" pitchFamily="18" charset="0"/>
               </a:rPr>
-              <a:t>Apart from the 5 components, there is a backend code for the DB server.</a:t>
-            </a:r>
-          </a:p>
-          <a:p>
-            <a:pPr marR="0" lvl="0" algn="l" defTabSz="914400" rtl="0" eaLnBrk="0" fontAlgn="base" latinLnBrk="0" hangingPunct="0">
-              <a:spcBef>
-                <a:spcPct val="0"/>
-              </a:spcBef>
-              <a:spcAft>
-                <a:spcPct val="0"/>
-              </a:spcAft>
-              <a:buClrTx/>
-              <a:buSzTx/>
-              <a:tabLst/>
-            </a:pPr>
-            <a:endParaRPr lang="en-US" altLang="en-US" sz="2000" dirty="0" smtClean="0">
+              <a:t>Approx. 800 lines of code</a:t>
+            </a:r>
+            <a:endParaRPr lang="en-US" altLang="en-US" sz="1600" dirty="0" smtClean="0">
               <a:latin typeface="Times New Roman" panose="02020603050405020304" pitchFamily="18" charset="0"/>
               <a:cs typeface="Times New Roman" panose="02020603050405020304" pitchFamily="18" charset="0"/>
             </a:endParaRPr>
           </a:p>
           <a:p>
-            <a:pPr marR="0" lvl="0" algn="l" defTabSz="914400" rtl="0" eaLnBrk="0" fontAlgn="base" latinLnBrk="0" hangingPunct="0">
-              <a:spcBef>
-                <a:spcPct val="0"/>
-              </a:spcBef>
-              <a:spcAft>
-                <a:spcPct val="0"/>
-              </a:spcAft>
-              <a:buClrTx/>
-              <a:buSzTx/>
-              <a:tabLst/>
-            </a:pPr>
-            <a:r>
-              <a:rPr lang="en-US" altLang="en-US" sz="2000" b="1" dirty="0" smtClean="0">
-                <a:latin typeface="Times New Roman" panose="02020603050405020304" pitchFamily="18" charset="0"/>
-                <a:cs typeface="Times New Roman" panose="02020603050405020304" pitchFamily="18" charset="0"/>
-              </a:rPr>
-              <a:t>Language used, platforms and compatibility:</a:t>
-            </a:r>
-          </a:p>
-          <a:p>
-            <a:pPr marL="285750" marR="0" lvl="0" indent="-285750" algn="l" defTabSz="914400" rtl="0" eaLnBrk="0" fontAlgn="base" latinLnBrk="0" hangingPunct="0">
+            <a:pPr marL="342900" marR="0" lvl="0" indent="-342900" algn="l" defTabSz="914400" rtl="0" eaLnBrk="0" fontAlgn="base" latinLnBrk="0" hangingPunct="0">
               <a:spcBef>
                 <a:spcPct val="0"/>
               </a:spcBef>
@@ -4463,18 +4437,48 @@
               <a:tabLst/>
             </a:pPr>
             <a:r>
-              <a:rPr lang="en-US" altLang="en-US" sz="1600" dirty="0">
-                <a:latin typeface="Times New Roman" panose="02020603050405020304" pitchFamily="18" charset="0"/>
-                <a:cs typeface="Times New Roman" panose="02020603050405020304" pitchFamily="18" charset="0"/>
-              </a:rPr>
-              <a:t>F</a:t>
-            </a:r>
-            <a:r>
               <a:rPr lang="en-US" altLang="en-US" sz="1600" dirty="0" smtClean="0">
                 <a:latin typeface="Times New Roman" panose="02020603050405020304" pitchFamily="18" charset="0"/>
                 <a:cs typeface="Times New Roman" panose="02020603050405020304" pitchFamily="18" charset="0"/>
               </a:rPr>
-              <a:t>rontend – ReactJS</a:t>
+              <a:t>Apart from the 5 components, there is a backend code for the DB server.</a:t>
+            </a:r>
+          </a:p>
+          <a:p>
+            <a:pPr marR="0" lvl="0" algn="l" defTabSz="914400" rtl="0" eaLnBrk="0" fontAlgn="base" latinLnBrk="0" hangingPunct="0">
+              <a:spcBef>
+                <a:spcPct val="0"/>
+              </a:spcBef>
+              <a:spcAft>
+                <a:spcPct val="0"/>
+              </a:spcAft>
+              <a:buClrTx/>
+              <a:buSzTx/>
+              <a:tabLst/>
+            </a:pPr>
+            <a:endParaRPr lang="en-US" altLang="en-US" sz="2000" dirty="0" smtClean="0">
+              <a:latin typeface="Times New Roman" panose="02020603050405020304" pitchFamily="18" charset="0"/>
+              <a:cs typeface="Times New Roman" panose="02020603050405020304" pitchFamily="18" charset="0"/>
+            </a:endParaRPr>
+          </a:p>
+          <a:p>
+            <a:pPr marR="0" lvl="0" algn="l" defTabSz="914400" rtl="0" eaLnBrk="0" fontAlgn="base" latinLnBrk="0" hangingPunct="0">
+              <a:spcBef>
+                <a:spcPct val="0"/>
+              </a:spcBef>
+              <a:spcAft>
+                <a:spcPct val="0"/>
+              </a:spcAft>
+              <a:buClrTx/>
+              <a:buSzTx/>
+              <a:tabLst/>
+            </a:pPr>
+            <a:r>
+              <a:rPr lang="en-US" altLang="en-US" sz="2000" b="1" dirty="0" smtClean="0">
+                <a:latin typeface="Times New Roman" panose="02020603050405020304" pitchFamily="18" charset="0"/>
+                <a:cs typeface="Times New Roman" panose="02020603050405020304" pitchFamily="18" charset="0"/>
+              </a:rPr>
+              <a:t>Language used, platforms and compatibility:</a:t>
             </a:r>
           </a:p>
           <a:p>
@@ -4496,28 +4500,14 @@
                 <a:latin typeface="Times New Roman" panose="02020603050405020304" pitchFamily="18" charset="0"/>
                 <a:cs typeface="Times New Roman" panose="02020603050405020304" pitchFamily="18" charset="0"/>
               </a:rPr>
-              <a:t>B</a:t>
+              <a:t>F</a:t>
             </a:r>
             <a:r>
               <a:rPr lang="en-US" altLang="en-US" sz="1600" dirty="0" smtClean="0">
                 <a:latin typeface="Times New Roman" panose="02020603050405020304" pitchFamily="18" charset="0"/>
                 <a:cs typeface="Times New Roman" panose="02020603050405020304" pitchFamily="18" charset="0"/>
               </a:rPr>
-              <a:t>ackend integration with DB – </a:t>
-            </a:r>
-            <a:r>
-              <a:rPr lang="en-US" altLang="en-US" sz="1600" dirty="0" err="1" smtClean="0">
-                <a:latin typeface="Times New Roman" panose="02020603050405020304" pitchFamily="18" charset="0"/>
-                <a:cs typeface="Times New Roman" panose="02020603050405020304" pitchFamily="18" charset="0"/>
-              </a:rPr>
-              <a:t>NodeJS</a:t>
-            </a:r>
-            <a:r>
-              <a:rPr lang="en-US" altLang="en-US" sz="1600" dirty="0" smtClean="0">
-                <a:latin typeface="Times New Roman" panose="02020603050405020304" pitchFamily="18" charset="0"/>
-                <a:cs typeface="Times New Roman" panose="02020603050405020304" pitchFamily="18" charset="0"/>
-              </a:rPr>
-              <a:t> </a:t>
+              <a:t>rontend – ReactJS</a:t>
             </a:r>
           </a:p>
           <a:p>
@@ -4535,18 +4525,25 @@
               <a:tabLst/>
             </a:pPr>
             <a:r>
+              <a:rPr lang="en-US" altLang="en-US" sz="1600" dirty="0">
+                <a:latin typeface="Times New Roman" panose="02020603050405020304" pitchFamily="18" charset="0"/>
+                <a:cs typeface="Times New Roman" panose="02020603050405020304" pitchFamily="18" charset="0"/>
+              </a:rPr>
+              <a:t>B</a:t>
+            </a:r>
+            <a:r>
               <a:rPr lang="en-US" altLang="en-US" sz="1600" dirty="0" smtClean="0">
                 <a:latin typeface="Times New Roman" panose="02020603050405020304" pitchFamily="18" charset="0"/>
                 <a:cs typeface="Times New Roman" panose="02020603050405020304" pitchFamily="18" charset="0"/>
               </a:rPr>
-              <a:t>Database – </a:t>
+              <a:t>ackend integration with DB – </a:t>
             </a:r>
             <a:r>
               <a:rPr lang="en-US" altLang="en-US" sz="1600" dirty="0" err="1" smtClean="0">
                 <a:latin typeface="Times New Roman" panose="02020603050405020304" pitchFamily="18" charset="0"/>
                 <a:cs typeface="Times New Roman" panose="02020603050405020304" pitchFamily="18" charset="0"/>
               </a:rPr>
-              <a:t>postgreSQL</a:t>
+              <a:t>NodeJS</a:t>
             </a:r>
             <a:r>
               <a:rPr lang="en-US" altLang="en-US" sz="1600" dirty="0" smtClean="0">
@@ -4575,7 +4572,21 @@
                 <a:latin typeface="Times New Roman" panose="02020603050405020304" pitchFamily="18" charset="0"/>
                 <a:cs typeface="Times New Roman" panose="02020603050405020304" pitchFamily="18" charset="0"/>
               </a:rPr>
-              <a:t>Platforms – Any web browser</a:t>
+              <a:t>Database – </a:t>
+            </a:r>
+            <a:r>
+              <a:rPr lang="en-US" altLang="en-US" sz="1600" dirty="0" err="1" smtClean="0">
+                <a:latin typeface="Times New Roman" panose="02020603050405020304" pitchFamily="18" charset="0"/>
+                <a:cs typeface="Times New Roman" panose="02020603050405020304" pitchFamily="18" charset="0"/>
+              </a:rPr>
+              <a:t>postgreSQL</a:t>
+            </a:r>
+            <a:r>
+              <a:rPr lang="en-US" altLang="en-US" sz="1600" dirty="0" smtClean="0">
+                <a:latin typeface="Times New Roman" panose="02020603050405020304" pitchFamily="18" charset="0"/>
+                <a:cs typeface="Times New Roman" panose="02020603050405020304" pitchFamily="18" charset="0"/>
+              </a:rPr>
+              <a:t> </a:t>
             </a:r>
           </a:p>
           <a:p>
@@ -4597,6 +4608,28 @@
                 <a:latin typeface="Times New Roman" panose="02020603050405020304" pitchFamily="18" charset="0"/>
                 <a:cs typeface="Times New Roman" panose="02020603050405020304" pitchFamily="18" charset="0"/>
               </a:rPr>
+              <a:t>Platforms – Any web browser</a:t>
+            </a:r>
+          </a:p>
+          <a:p>
+            <a:pPr marL="285750" marR="0" lvl="0" indent="-285750" algn="l" defTabSz="914400" rtl="0" eaLnBrk="0" fontAlgn="base" latinLnBrk="0" hangingPunct="0">
+              <a:spcBef>
+                <a:spcPct val="0"/>
+              </a:spcBef>
+              <a:spcAft>
+                <a:spcPct val="0"/>
+              </a:spcAft>
+              <a:buClrTx/>
+              <a:buSzTx/>
+              <a:buFont typeface="Arial" panose="020B0604020202020204" pitchFamily="34" charset="0"/>
+              <a:buChar char="•"/>
+              <a:tabLst/>
+            </a:pPr>
+            <a:r>
+              <a:rPr lang="en-US" altLang="en-US" sz="1600" dirty="0" smtClean="0">
+                <a:latin typeface="Times New Roman" panose="02020603050405020304" pitchFamily="18" charset="0"/>
+                <a:cs typeface="Times New Roman" panose="02020603050405020304" pitchFamily="18" charset="0"/>
+              </a:rPr>
               <a:t>Compatibility – compatible with most laptops and desktops</a:t>
             </a:r>
           </a:p>
@@ -4613,19 +4646,16 @@
               <a:tabLst/>
             </a:pPr>
             <a:r>
-              <a:rPr lang="en-US" altLang="en-US" sz="1600" dirty="0" smtClean="0">
+              <a:rPr lang="en-US" altLang="en-US" sz="1600" smtClean="0">
                 <a:latin typeface="Times New Roman" panose="02020603050405020304" pitchFamily="18" charset="0"/>
                 <a:cs typeface="Times New Roman" panose="02020603050405020304" pitchFamily="18" charset="0"/>
               </a:rPr>
               <a:t>	</a:t>
             </a:r>
-            <a:r>
-              <a:rPr lang="en-US" altLang="en-US" sz="1600" b="1" dirty="0" smtClean="0">
-                <a:latin typeface="Times New Roman" panose="02020603050405020304" pitchFamily="18" charset="0"/>
-                <a:cs typeface="Times New Roman" panose="02020603050405020304" pitchFamily="18" charset="0"/>
-              </a:rPr>
-              <a:t>Note: will have more clarity on this if we are able to dockerze and run it on any cloud</a:t>
-            </a:r>
+            <a:endParaRPr lang="en-US" altLang="en-US" sz="1600" b="1" dirty="0" smtClean="0">
+              <a:latin typeface="Times New Roman" panose="02020603050405020304" pitchFamily="18" charset="0"/>
+              <a:cs typeface="Times New Roman" panose="02020603050405020304" pitchFamily="18" charset="0"/>
+            </a:endParaRPr>
           </a:p>
         </p:txBody>
       </p:sp>
